--- a/EC520_FinalPresentation.pptx
+++ b/EC520_FinalPresentation.pptx
@@ -6,17 +6,16 @@
   </p:sldMasterIdLst>
   <p:sldIdLst>
     <p:sldId id="256" r:id="rId2"/>
-    <p:sldId id="257" r:id="rId3"/>
-    <p:sldId id="262" r:id="rId4"/>
+    <p:sldId id="271" r:id="rId3"/>
+    <p:sldId id="272" r:id="rId4"/>
     <p:sldId id="258" r:id="rId5"/>
-    <p:sldId id="265" r:id="rId6"/>
+    <p:sldId id="275" r:id="rId6"/>
     <p:sldId id="266" r:id="rId7"/>
     <p:sldId id="263" r:id="rId8"/>
-    <p:sldId id="269" r:id="rId9"/>
-    <p:sldId id="268" r:id="rId10"/>
-    <p:sldId id="270" r:id="rId11"/>
-    <p:sldId id="267" r:id="rId12"/>
-    <p:sldId id="264" r:id="rId13"/>
+    <p:sldId id="273" r:id="rId9"/>
+    <p:sldId id="274" r:id="rId10"/>
+    <p:sldId id="267" r:id="rId11"/>
+    <p:sldId id="264" r:id="rId12"/>
   </p:sldIdLst>
   <p:sldSz cx="12192000" cy="6858000"/>
   <p:notesSz cx="6858000" cy="9144000"/>
@@ -254,7 +253,7 @@
           <a:p>
             <a:fld id="{2BBDEF8A-E95E-2F49-B33E-4A790B293D63}" type="datetimeFigureOut">
               <a:rPr lang="en-US" smtClean="0"/>
-              <a:t>5/1/17</a:t>
+              <a:t>5/2/17</a:t>
             </a:fld>
             <a:endParaRPr lang="en-US"/>
           </a:p>
@@ -424,7 +423,7 @@
           <a:p>
             <a:fld id="{2BBDEF8A-E95E-2F49-B33E-4A790B293D63}" type="datetimeFigureOut">
               <a:rPr lang="en-US" smtClean="0"/>
-              <a:t>5/1/17</a:t>
+              <a:t>5/2/17</a:t>
             </a:fld>
             <a:endParaRPr lang="en-US"/>
           </a:p>
@@ -604,7 +603,7 @@
           <a:p>
             <a:fld id="{2BBDEF8A-E95E-2F49-B33E-4A790B293D63}" type="datetimeFigureOut">
               <a:rPr lang="en-US" smtClean="0"/>
-              <a:t>5/1/17</a:t>
+              <a:t>5/2/17</a:t>
             </a:fld>
             <a:endParaRPr lang="en-US"/>
           </a:p>
@@ -774,7 +773,7 @@
           <a:p>
             <a:fld id="{2BBDEF8A-E95E-2F49-B33E-4A790B293D63}" type="datetimeFigureOut">
               <a:rPr lang="en-US" smtClean="0"/>
-              <a:t>5/1/17</a:t>
+              <a:t>5/2/17</a:t>
             </a:fld>
             <a:endParaRPr lang="en-US"/>
           </a:p>
@@ -1020,7 +1019,7 @@
           <a:p>
             <a:fld id="{2BBDEF8A-E95E-2F49-B33E-4A790B293D63}" type="datetimeFigureOut">
               <a:rPr lang="en-US" smtClean="0"/>
-              <a:t>5/1/17</a:t>
+              <a:t>5/2/17</a:t>
             </a:fld>
             <a:endParaRPr lang="en-US"/>
           </a:p>
@@ -1252,7 +1251,7 @@
           <a:p>
             <a:fld id="{2BBDEF8A-E95E-2F49-B33E-4A790B293D63}" type="datetimeFigureOut">
               <a:rPr lang="en-US" smtClean="0"/>
-              <a:t>5/1/17</a:t>
+              <a:t>5/2/17</a:t>
             </a:fld>
             <a:endParaRPr lang="en-US"/>
           </a:p>
@@ -1619,7 +1618,7 @@
           <a:p>
             <a:fld id="{2BBDEF8A-E95E-2F49-B33E-4A790B293D63}" type="datetimeFigureOut">
               <a:rPr lang="en-US" smtClean="0"/>
-              <a:t>5/1/17</a:t>
+              <a:t>5/2/17</a:t>
             </a:fld>
             <a:endParaRPr lang="en-US"/>
           </a:p>
@@ -1737,7 +1736,7 @@
           <a:p>
             <a:fld id="{2BBDEF8A-E95E-2F49-B33E-4A790B293D63}" type="datetimeFigureOut">
               <a:rPr lang="en-US" smtClean="0"/>
-              <a:t>5/1/17</a:t>
+              <a:t>5/2/17</a:t>
             </a:fld>
             <a:endParaRPr lang="en-US"/>
           </a:p>
@@ -1832,7 +1831,7 @@
           <a:p>
             <a:fld id="{2BBDEF8A-E95E-2F49-B33E-4A790B293D63}" type="datetimeFigureOut">
               <a:rPr lang="en-US" smtClean="0"/>
-              <a:t>5/1/17</a:t>
+              <a:t>5/2/17</a:t>
             </a:fld>
             <a:endParaRPr lang="en-US"/>
           </a:p>
@@ -2109,7 +2108,7 @@
           <a:p>
             <a:fld id="{2BBDEF8A-E95E-2F49-B33E-4A790B293D63}" type="datetimeFigureOut">
               <a:rPr lang="en-US" smtClean="0"/>
-              <a:t>5/1/17</a:t>
+              <a:t>5/2/17</a:t>
             </a:fld>
             <a:endParaRPr lang="en-US"/>
           </a:p>
@@ -2362,7 +2361,7 @@
           <a:p>
             <a:fld id="{2BBDEF8A-E95E-2F49-B33E-4A790B293D63}" type="datetimeFigureOut">
               <a:rPr lang="en-US" smtClean="0"/>
-              <a:t>5/1/17</a:t>
+              <a:t>5/2/17</a:t>
             </a:fld>
             <a:endParaRPr lang="en-US"/>
           </a:p>
@@ -2575,7 +2574,7 @@
           <a:p>
             <a:fld id="{2BBDEF8A-E95E-2F49-B33E-4A790B293D63}" type="datetimeFigureOut">
               <a:rPr lang="en-US" smtClean="0"/>
-              <a:t>5/1/17</a:t>
+              <a:t>5/2/17</a:t>
             </a:fld>
             <a:endParaRPr lang="en-US"/>
           </a:p>
@@ -3114,78 +3113,6 @@
           <a:p>
             <a:r>
               <a:rPr lang="en-US" dirty="0" smtClean="0"/>
-              <a:t>Classifier Performance</a:t>
-            </a:r>
-            <a:endParaRPr lang="en-US" dirty="0"/>
-          </a:p>
-        </p:txBody>
-      </p:sp>
-      <p:sp>
-        <p:nvSpPr>
-          <p:cNvPr id="3" name="Content Placeholder 2"/>
-          <p:cNvSpPr>
-            <a:spLocks noGrp="1"/>
-          </p:cNvSpPr>
-          <p:nvPr>
-            <p:ph idx="1"/>
-          </p:nvPr>
-        </p:nvSpPr>
-        <p:spPr/>
-        <p:txBody>
-          <a:bodyPr/>
-          <a:lstStyle/>
-          <a:p>
-            <a:endParaRPr lang="en-US"/>
-          </a:p>
-        </p:txBody>
-      </p:sp>
-    </p:spTree>
-    <p:extLst>
-      <p:ext uri="{BB962C8B-B14F-4D97-AF65-F5344CB8AC3E}">
-        <p14:creationId xmlns:p14="http://schemas.microsoft.com/office/powerpoint/2010/main" val="1233889075"/>
-      </p:ext>
-    </p:extLst>
-  </p:cSld>
-  <p:clrMapOvr>
-    <a:masterClrMapping/>
-  </p:clrMapOvr>
-</p:sld>
-</file>
-
-<file path=ppt/slides/slide11.xml><?xml version="1.0" encoding="utf-8"?>
-<p:sld xmlns:a="http://schemas.openxmlformats.org/drawingml/2006/main" xmlns:r="http://schemas.openxmlformats.org/officeDocument/2006/relationships" xmlns:p="http://schemas.openxmlformats.org/presentationml/2006/main">
-  <p:cSld>
-    <p:spTree>
-      <p:nvGrpSpPr>
-        <p:cNvPr id="1" name=""/>
-        <p:cNvGrpSpPr/>
-        <p:nvPr/>
-      </p:nvGrpSpPr>
-      <p:grpSpPr>
-        <a:xfrm>
-          <a:off x="0" y="0"/>
-          <a:ext cx="0" cy="0"/>
-          <a:chOff x="0" y="0"/>
-          <a:chExt cx="0" cy="0"/>
-        </a:xfrm>
-      </p:grpSpPr>
-      <p:sp>
-        <p:nvSpPr>
-          <p:cNvPr id="2" name="Title 1"/>
-          <p:cNvSpPr>
-            <a:spLocks noGrp="1"/>
-          </p:cNvSpPr>
-          <p:nvPr>
-            <p:ph type="title"/>
-          </p:nvPr>
-        </p:nvSpPr>
-        <p:spPr/>
-        <p:txBody>
-          <a:bodyPr/>
-          <a:lstStyle/>
-          <a:p>
-            <a:r>
-              <a:rPr lang="en-US" dirty="0" smtClean="0"/>
               <a:t>Final Results</a:t>
             </a:r>
             <a:endParaRPr lang="en-US" dirty="0"/>
@@ -3224,7 +3151,7 @@
 </p:sld>
 </file>
 
-<file path=ppt/slides/slide12.xml><?xml version="1.0" encoding="utf-8"?>
+<file path=ppt/slides/slide11.xml><?xml version="1.0" encoding="utf-8"?>
 <p:sld xmlns:a="http://schemas.openxmlformats.org/drawingml/2006/main" xmlns:r="http://schemas.openxmlformats.org/officeDocument/2006/relationships" xmlns:p="http://schemas.openxmlformats.org/presentationml/2006/main">
   <p:cSld>
     <p:spTree>
@@ -3417,10 +3344,682 @@
           </a:p>
         </p:txBody>
       </p:sp>
+      <p:sp>
+        <p:nvSpPr>
+          <p:cNvPr id="4" name="Rectangle 3"/>
+          <p:cNvSpPr/>
+          <p:nvPr/>
+        </p:nvSpPr>
+        <p:spPr>
+          <a:xfrm>
+            <a:off x="6446803" y="1606699"/>
+            <a:ext cx="2958353" cy="4701092"/>
+          </a:xfrm>
+          <a:prstGeom prst="rect">
+            <a:avLst/>
+          </a:prstGeom>
+        </p:spPr>
+        <p:style>
+          <a:lnRef idx="2">
+            <a:schemeClr val="dk1"/>
+          </a:lnRef>
+          <a:fillRef idx="1">
+            <a:schemeClr val="lt1"/>
+          </a:fillRef>
+          <a:effectRef idx="0">
+            <a:schemeClr val="dk1"/>
+          </a:effectRef>
+          <a:fontRef idx="minor">
+            <a:schemeClr val="dk1"/>
+          </a:fontRef>
+        </p:style>
+        <p:txBody>
+          <a:bodyPr rtlCol="0" anchor="ctr"/>
+          <a:lstStyle/>
+          <a:p>
+            <a:pPr algn="ctr"/>
+            <a:endParaRPr lang="en-US"/>
+          </a:p>
+        </p:txBody>
+      </p:sp>
+      <p:sp>
+        <p:nvSpPr>
+          <p:cNvPr id="5" name="Oval 4"/>
+          <p:cNvSpPr/>
+          <p:nvPr/>
+        </p:nvSpPr>
+        <p:spPr>
+          <a:xfrm>
+            <a:off x="6554379" y="3855047"/>
+            <a:ext cx="290457" cy="247426"/>
+          </a:xfrm>
+          <a:prstGeom prst="ellipse">
+            <a:avLst/>
+          </a:prstGeom>
+        </p:spPr>
+        <p:style>
+          <a:lnRef idx="1">
+            <a:schemeClr val="dk1"/>
+          </a:lnRef>
+          <a:fillRef idx="2">
+            <a:schemeClr val="dk1"/>
+          </a:fillRef>
+          <a:effectRef idx="1">
+            <a:schemeClr val="dk1"/>
+          </a:effectRef>
+          <a:fontRef idx="minor">
+            <a:schemeClr val="dk1"/>
+          </a:fontRef>
+        </p:style>
+        <p:txBody>
+          <a:bodyPr rtlCol="0" anchor="ctr"/>
+          <a:lstStyle/>
+          <a:p>
+            <a:pPr algn="ctr"/>
+            <a:endParaRPr lang="en-US"/>
+          </a:p>
+        </p:txBody>
+      </p:sp>
+      <p:sp>
+        <p:nvSpPr>
+          <p:cNvPr id="6" name="Rectangle 5"/>
+          <p:cNvSpPr/>
+          <p:nvPr/>
+        </p:nvSpPr>
+        <p:spPr>
+          <a:xfrm>
+            <a:off x="7025732" y="890337"/>
+            <a:ext cx="1756611" cy="581425"/>
+          </a:xfrm>
+          <a:prstGeom prst="rect">
+            <a:avLst/>
+          </a:prstGeom>
+        </p:spPr>
+        <p:style>
+          <a:lnRef idx="3">
+            <a:schemeClr val="lt1"/>
+          </a:lnRef>
+          <a:fillRef idx="1">
+            <a:schemeClr val="accent6"/>
+          </a:fillRef>
+          <a:effectRef idx="1">
+            <a:schemeClr val="accent6"/>
+          </a:effectRef>
+          <a:fontRef idx="minor">
+            <a:schemeClr val="lt1"/>
+          </a:fontRef>
+        </p:style>
+        <p:txBody>
+          <a:bodyPr rtlCol="0" anchor="ctr"/>
+          <a:lstStyle/>
+          <a:p>
+            <a:pPr algn="ctr"/>
+            <a:r>
+              <a:rPr lang="en-US" dirty="0" smtClean="0"/>
+              <a:t>Thermal Camera</a:t>
+            </a:r>
+          </a:p>
+        </p:txBody>
+      </p:sp>
+      <p:pic>
+        <p:nvPicPr>
+          <p:cNvPr id="7" name="Picture 6"/>
+          <p:cNvPicPr>
+            <a:picLocks noChangeAspect="1"/>
+          </p:cNvPicPr>
+          <p:nvPr/>
+        </p:nvPicPr>
+        <p:blipFill>
+          <a:blip r:embed="rId2">
+            <a:extLst>
+              <a:ext uri="{28A0092B-C50C-407E-A947-70E740481C1C}">
+                <a14:useLocalDpi xmlns:a14="http://schemas.microsoft.com/office/drawing/2010/main" val="0"/>
+              </a:ext>
+            </a:extLst>
+          </a:blip>
+          <a:stretch>
+            <a:fillRect/>
+          </a:stretch>
+        </p:blipFill>
+        <p:spPr>
+          <a:xfrm flipH="1">
+            <a:off x="10561520" y="530211"/>
+            <a:ext cx="792280" cy="995389"/>
+          </a:xfrm>
+          <a:prstGeom prst="rect">
+            <a:avLst/>
+          </a:prstGeom>
+        </p:spPr>
+      </p:pic>
+      <p:sp>
+        <p:nvSpPr>
+          <p:cNvPr id="9" name="Trapezoid 8"/>
+          <p:cNvSpPr/>
+          <p:nvPr/>
+        </p:nvSpPr>
+        <p:spPr>
+          <a:xfrm>
+            <a:off x="6496344" y="1418724"/>
+            <a:ext cx="2815389" cy="4758239"/>
+          </a:xfrm>
+          <a:prstGeom prst="trapezoid">
+            <a:avLst/>
+          </a:prstGeom>
+          <a:solidFill>
+            <a:schemeClr val="bg2">
+              <a:lumMod val="75000"/>
+              <a:alpha val="46000"/>
+            </a:schemeClr>
+          </a:solidFill>
+          <a:ln>
+            <a:noFill/>
+          </a:ln>
+        </p:spPr>
+        <p:style>
+          <a:lnRef idx="1">
+            <a:schemeClr val="accent3"/>
+          </a:lnRef>
+          <a:fillRef idx="2">
+            <a:schemeClr val="accent3"/>
+          </a:fillRef>
+          <a:effectRef idx="1">
+            <a:schemeClr val="accent3"/>
+          </a:effectRef>
+          <a:fontRef idx="minor">
+            <a:schemeClr val="dk1"/>
+          </a:fontRef>
+        </p:style>
+        <p:txBody>
+          <a:bodyPr rtlCol="0" anchor="ctr"/>
+          <a:lstStyle/>
+          <a:p>
+            <a:pPr algn="ctr"/>
+            <a:endParaRPr lang="en-US"/>
+          </a:p>
+        </p:txBody>
+      </p:sp>
+      <p:sp>
+        <p:nvSpPr>
+          <p:cNvPr id="10" name="Oval 9"/>
+          <p:cNvSpPr/>
+          <p:nvPr/>
+        </p:nvSpPr>
+        <p:spPr>
+          <a:xfrm>
+            <a:off x="6279776" y="6062629"/>
+            <a:ext cx="3308685" cy="433137"/>
+          </a:xfrm>
+          <a:prstGeom prst="ellipse">
+            <a:avLst/>
+          </a:prstGeom>
+          <a:solidFill>
+            <a:schemeClr val="bg2">
+              <a:lumMod val="90000"/>
+              <a:alpha val="81000"/>
+            </a:schemeClr>
+          </a:solidFill>
+          <a:ln>
+            <a:noFill/>
+          </a:ln>
+        </p:spPr>
+        <p:style>
+          <a:lnRef idx="1">
+            <a:schemeClr val="accent3"/>
+          </a:lnRef>
+          <a:fillRef idx="2">
+            <a:schemeClr val="accent3"/>
+          </a:fillRef>
+          <a:effectRef idx="1">
+            <a:schemeClr val="accent3"/>
+          </a:effectRef>
+          <a:fontRef idx="minor">
+            <a:schemeClr val="dk1"/>
+          </a:fontRef>
+        </p:style>
+        <p:txBody>
+          <a:bodyPr rtlCol="0" anchor="ctr"/>
+          <a:lstStyle/>
+          <a:p>
+            <a:pPr algn="ctr"/>
+            <a:endParaRPr lang="en-US"/>
+          </a:p>
+        </p:txBody>
+      </p:sp>
+      <p:sp>
+        <p:nvSpPr>
+          <p:cNvPr id="11" name="TextBox 10"/>
+          <p:cNvSpPr txBox="1"/>
+          <p:nvPr/>
+        </p:nvSpPr>
+        <p:spPr>
+          <a:xfrm>
+            <a:off x="9950116" y="2430384"/>
+            <a:ext cx="1973179" cy="646331"/>
+          </a:xfrm>
+          <a:prstGeom prst="rect">
+            <a:avLst/>
+          </a:prstGeom>
+          <a:solidFill>
+            <a:schemeClr val="accent2">
+              <a:lumMod val="40000"/>
+              <a:lumOff val="60000"/>
+            </a:schemeClr>
+          </a:solidFill>
+          <a:ln w="41275"/>
+        </p:spPr>
+        <p:style>
+          <a:lnRef idx="2">
+            <a:schemeClr val="accent2"/>
+          </a:lnRef>
+          <a:fillRef idx="1">
+            <a:schemeClr val="lt1"/>
+          </a:fillRef>
+          <a:effectRef idx="0">
+            <a:schemeClr val="accent2"/>
+          </a:effectRef>
+          <a:fontRef idx="minor">
+            <a:schemeClr val="dk1"/>
+          </a:fontRef>
+        </p:style>
+        <p:txBody>
+          <a:bodyPr wrap="square" rtlCol="0">
+            <a:spAutoFit/>
+          </a:bodyPr>
+          <a:lstStyle/>
+          <a:p>
+            <a:pPr algn="ctr"/>
+            <a:r>
+              <a:rPr lang="en-US" dirty="0" smtClean="0"/>
+              <a:t>Person Enter?</a:t>
+            </a:r>
+          </a:p>
+          <a:p>
+            <a:pPr algn="ctr"/>
+            <a:r>
+              <a:rPr lang="en-US" dirty="0" smtClean="0"/>
+              <a:t>Person Exit?</a:t>
+            </a:r>
+            <a:endParaRPr lang="en-US" dirty="0"/>
+          </a:p>
+        </p:txBody>
+      </p:sp>
+      <p:sp>
+        <p:nvSpPr>
+          <p:cNvPr id="12" name="TextBox 11"/>
+          <p:cNvSpPr txBox="1"/>
+          <p:nvPr/>
+        </p:nvSpPr>
+        <p:spPr>
+          <a:xfrm>
+            <a:off x="9950115" y="3808133"/>
+            <a:ext cx="1973179" cy="369332"/>
+          </a:xfrm>
+          <a:prstGeom prst="rect">
+            <a:avLst/>
+          </a:prstGeom>
+          <a:solidFill>
+            <a:schemeClr val="accent2">
+              <a:lumMod val="40000"/>
+              <a:lumOff val="60000"/>
+            </a:schemeClr>
+          </a:solidFill>
+          <a:ln w="25400"/>
+        </p:spPr>
+        <p:style>
+          <a:lnRef idx="2">
+            <a:schemeClr val="accent2"/>
+          </a:lnRef>
+          <a:fillRef idx="1">
+            <a:schemeClr val="lt1"/>
+          </a:fillRef>
+          <a:effectRef idx="0">
+            <a:schemeClr val="accent2"/>
+          </a:effectRef>
+          <a:fontRef idx="minor">
+            <a:schemeClr val="dk1"/>
+          </a:fontRef>
+        </p:style>
+        <p:txBody>
+          <a:bodyPr wrap="square" rtlCol="0">
+            <a:spAutoFit/>
+          </a:bodyPr>
+          <a:lstStyle/>
+          <a:p>
+            <a:pPr algn="ctr"/>
+            <a:r>
+              <a:rPr lang="en-US" dirty="0" smtClean="0"/>
+              <a:t>Room Occupancy</a:t>
+            </a:r>
+            <a:endParaRPr lang="en-US" dirty="0"/>
+          </a:p>
+        </p:txBody>
+      </p:sp>
+      <p:sp>
+        <p:nvSpPr>
+          <p:cNvPr id="13" name="Rounded Rectangle 12"/>
+          <p:cNvSpPr/>
+          <p:nvPr/>
+        </p:nvSpPr>
+        <p:spPr>
+          <a:xfrm>
+            <a:off x="9998239" y="4981076"/>
+            <a:ext cx="1828799" cy="348916"/>
+          </a:xfrm>
+          <a:prstGeom prst="roundRect">
+            <a:avLst/>
+          </a:prstGeom>
+          <a:solidFill>
+            <a:srgbClr val="C00000"/>
+          </a:solidFill>
+          <a:ln>
+            <a:solidFill>
+              <a:srgbClr val="C00000"/>
+            </a:solidFill>
+          </a:ln>
+        </p:spPr>
+        <p:style>
+          <a:lnRef idx="2">
+            <a:schemeClr val="accent1">
+              <a:shade val="50000"/>
+            </a:schemeClr>
+          </a:lnRef>
+          <a:fillRef idx="1">
+            <a:schemeClr val="accent1"/>
+          </a:fillRef>
+          <a:effectRef idx="0">
+            <a:schemeClr val="accent1"/>
+          </a:effectRef>
+          <a:fontRef idx="minor">
+            <a:schemeClr val="lt1"/>
+          </a:fontRef>
+        </p:style>
+        <p:txBody>
+          <a:bodyPr rtlCol="0" anchor="ctr"/>
+          <a:lstStyle/>
+          <a:p>
+            <a:pPr algn="ctr"/>
+            <a:r>
+              <a:rPr lang="en-US" dirty="0" smtClean="0"/>
+              <a:t>Heating</a:t>
+            </a:r>
+            <a:endParaRPr lang="en-US" dirty="0"/>
+          </a:p>
+        </p:txBody>
+      </p:sp>
+      <p:sp>
+        <p:nvSpPr>
+          <p:cNvPr id="14" name="Rounded Rectangle 13"/>
+          <p:cNvSpPr/>
+          <p:nvPr/>
+        </p:nvSpPr>
+        <p:spPr>
+          <a:xfrm>
+            <a:off x="10012865" y="5362330"/>
+            <a:ext cx="1828799" cy="348916"/>
+          </a:xfrm>
+          <a:prstGeom prst="roundRect">
+            <a:avLst/>
+          </a:prstGeom>
+          <a:solidFill>
+            <a:srgbClr val="00B050"/>
+          </a:solidFill>
+          <a:ln>
+            <a:solidFill>
+              <a:srgbClr val="00B050"/>
+            </a:solidFill>
+          </a:ln>
+        </p:spPr>
+        <p:style>
+          <a:lnRef idx="2">
+            <a:schemeClr val="accent1">
+              <a:shade val="50000"/>
+            </a:schemeClr>
+          </a:lnRef>
+          <a:fillRef idx="1">
+            <a:schemeClr val="accent1"/>
+          </a:fillRef>
+          <a:effectRef idx="0">
+            <a:schemeClr val="accent1"/>
+          </a:effectRef>
+          <a:fontRef idx="minor">
+            <a:schemeClr val="lt1"/>
+          </a:fontRef>
+        </p:style>
+        <p:txBody>
+          <a:bodyPr rtlCol="0" anchor="ctr"/>
+          <a:lstStyle/>
+          <a:p>
+            <a:pPr algn="ctr"/>
+            <a:r>
+              <a:rPr lang="en-US" dirty="0" smtClean="0"/>
+              <a:t>Ventilation</a:t>
+            </a:r>
+            <a:endParaRPr lang="en-US" dirty="0"/>
+          </a:p>
+        </p:txBody>
+      </p:sp>
+      <p:sp>
+        <p:nvSpPr>
+          <p:cNvPr id="15" name="Rounded Rectangle 14"/>
+          <p:cNvSpPr/>
+          <p:nvPr/>
+        </p:nvSpPr>
+        <p:spPr>
+          <a:xfrm>
+            <a:off x="9998238" y="5767647"/>
+            <a:ext cx="1828799" cy="348916"/>
+          </a:xfrm>
+          <a:prstGeom prst="roundRect">
+            <a:avLst/>
+          </a:prstGeom>
+          <a:solidFill>
+            <a:schemeClr val="accent1">
+              <a:lumMod val="60000"/>
+              <a:lumOff val="40000"/>
+            </a:schemeClr>
+          </a:solidFill>
+          <a:ln>
+            <a:solidFill>
+              <a:schemeClr val="accent1">
+                <a:lumMod val="40000"/>
+                <a:lumOff val="60000"/>
+              </a:schemeClr>
+            </a:solidFill>
+          </a:ln>
+        </p:spPr>
+        <p:style>
+          <a:lnRef idx="2">
+            <a:schemeClr val="accent1">
+              <a:shade val="50000"/>
+            </a:schemeClr>
+          </a:lnRef>
+          <a:fillRef idx="1">
+            <a:schemeClr val="accent1"/>
+          </a:fillRef>
+          <a:effectRef idx="0">
+            <a:schemeClr val="accent1"/>
+          </a:effectRef>
+          <a:fontRef idx="minor">
+            <a:schemeClr val="lt1"/>
+          </a:fontRef>
+        </p:style>
+        <p:txBody>
+          <a:bodyPr rtlCol="0" anchor="ctr"/>
+          <a:lstStyle/>
+          <a:p>
+            <a:pPr algn="ctr"/>
+            <a:r>
+              <a:rPr lang="en-US" dirty="0" smtClean="0"/>
+              <a:t>Cooling</a:t>
+            </a:r>
+            <a:endParaRPr lang="en-US" dirty="0"/>
+          </a:p>
+        </p:txBody>
+      </p:sp>
+      <p:sp>
+        <p:nvSpPr>
+          <p:cNvPr id="20" name="Right Arrow 19"/>
+          <p:cNvSpPr/>
+          <p:nvPr/>
+        </p:nvSpPr>
+        <p:spPr>
+          <a:xfrm>
+            <a:off x="8903368" y="1027905"/>
+            <a:ext cx="1540043" cy="271506"/>
+          </a:xfrm>
+          <a:prstGeom prst="rightArrow">
+            <a:avLst/>
+          </a:prstGeom>
+        </p:spPr>
+        <p:style>
+          <a:lnRef idx="2">
+            <a:schemeClr val="dk1">
+              <a:shade val="50000"/>
+            </a:schemeClr>
+          </a:lnRef>
+          <a:fillRef idx="1">
+            <a:schemeClr val="dk1"/>
+          </a:fillRef>
+          <a:effectRef idx="0">
+            <a:schemeClr val="dk1"/>
+          </a:effectRef>
+          <a:fontRef idx="minor">
+            <a:schemeClr val="lt1"/>
+          </a:fontRef>
+        </p:style>
+        <p:txBody>
+          <a:bodyPr rtlCol="0" anchor="ctr"/>
+          <a:lstStyle/>
+          <a:p>
+            <a:pPr algn="ctr"/>
+            <a:endParaRPr lang="en-US"/>
+          </a:p>
+        </p:txBody>
+      </p:sp>
+      <p:sp>
+        <p:nvSpPr>
+          <p:cNvPr id="21" name="Down Arrow 20"/>
+          <p:cNvSpPr/>
+          <p:nvPr/>
+        </p:nvSpPr>
+        <p:spPr>
+          <a:xfrm>
+            <a:off x="10810370" y="1682248"/>
+            <a:ext cx="252668" cy="583048"/>
+          </a:xfrm>
+          <a:prstGeom prst="downArrow">
+            <a:avLst/>
+          </a:prstGeom>
+        </p:spPr>
+        <p:style>
+          <a:lnRef idx="2">
+            <a:schemeClr val="dk1">
+              <a:shade val="50000"/>
+            </a:schemeClr>
+          </a:lnRef>
+          <a:fillRef idx="1">
+            <a:schemeClr val="dk1"/>
+          </a:fillRef>
+          <a:effectRef idx="0">
+            <a:schemeClr val="dk1"/>
+          </a:effectRef>
+          <a:fontRef idx="minor">
+            <a:schemeClr val="lt1"/>
+          </a:fontRef>
+        </p:style>
+        <p:txBody>
+          <a:bodyPr rtlCol="0" anchor="ctr"/>
+          <a:lstStyle/>
+          <a:p>
+            <a:pPr algn="ctr"/>
+            <a:endParaRPr lang="en-US"/>
+          </a:p>
+        </p:txBody>
+      </p:sp>
+      <p:sp>
+        <p:nvSpPr>
+          <p:cNvPr id="22" name="Down Arrow 21"/>
+          <p:cNvSpPr/>
+          <p:nvPr/>
+        </p:nvSpPr>
+        <p:spPr>
+          <a:xfrm>
+            <a:off x="10786303" y="3148481"/>
+            <a:ext cx="252668" cy="583048"/>
+          </a:xfrm>
+          <a:prstGeom prst="downArrow">
+            <a:avLst/>
+          </a:prstGeom>
+        </p:spPr>
+        <p:style>
+          <a:lnRef idx="2">
+            <a:schemeClr val="dk1">
+              <a:shade val="50000"/>
+            </a:schemeClr>
+          </a:lnRef>
+          <a:fillRef idx="1">
+            <a:schemeClr val="dk1"/>
+          </a:fillRef>
+          <a:effectRef idx="0">
+            <a:schemeClr val="dk1"/>
+          </a:effectRef>
+          <a:fontRef idx="minor">
+            <a:schemeClr val="lt1"/>
+          </a:fontRef>
+        </p:style>
+        <p:txBody>
+          <a:bodyPr rtlCol="0" anchor="ctr"/>
+          <a:lstStyle/>
+          <a:p>
+            <a:pPr algn="ctr"/>
+            <a:endParaRPr lang="en-US"/>
+          </a:p>
+        </p:txBody>
+      </p:sp>
+      <p:sp>
+        <p:nvSpPr>
+          <p:cNvPr id="23" name="Down Arrow 22"/>
+          <p:cNvSpPr/>
+          <p:nvPr/>
+        </p:nvSpPr>
+        <p:spPr>
+          <a:xfrm>
+            <a:off x="10768257" y="4245372"/>
+            <a:ext cx="252668" cy="583048"/>
+          </a:xfrm>
+          <a:prstGeom prst="downArrow">
+            <a:avLst/>
+          </a:prstGeom>
+        </p:spPr>
+        <p:style>
+          <a:lnRef idx="2">
+            <a:schemeClr val="dk1">
+              <a:shade val="50000"/>
+            </a:schemeClr>
+          </a:lnRef>
+          <a:fillRef idx="1">
+            <a:schemeClr val="dk1"/>
+          </a:fillRef>
+          <a:effectRef idx="0">
+            <a:schemeClr val="dk1"/>
+          </a:effectRef>
+          <a:fontRef idx="minor">
+            <a:schemeClr val="lt1"/>
+          </a:fontRef>
+        </p:style>
+        <p:txBody>
+          <a:bodyPr rtlCol="0" anchor="ctr"/>
+          <a:lstStyle/>
+          <a:p>
+            <a:pPr algn="ctr"/>
+            <a:endParaRPr lang="en-US"/>
+          </a:p>
+        </p:txBody>
+      </p:sp>
     </p:spTree>
     <p:extLst>
       <p:ext uri="{BB962C8B-B14F-4D97-AF65-F5344CB8AC3E}">
-        <p14:creationId xmlns:p14="http://schemas.microsoft.com/office/powerpoint/2010/main" val="157997101"/>
+        <p14:creationId xmlns:p14="http://schemas.microsoft.com/office/powerpoint/2010/main" val="1093761903"/>
       </p:ext>
     </p:extLst>
   </p:cSld>
@@ -3471,7 +4070,7 @@
           <a:p>
             <a:r>
               <a:rPr lang="en-US" dirty="0" smtClean="0"/>
-              <a:t>Assumption and Constraints</a:t>
+              <a:t>Assumptions and Constraints</a:t>
             </a:r>
             <a:endParaRPr lang="en-US" dirty="0"/>
           </a:p>
@@ -3490,53 +4089,36 @@
         <p:spPr>
           <a:xfrm>
             <a:off x="838200" y="1825625"/>
-            <a:ext cx="5226424" cy="4351338"/>
-          </a:xfrm>
-        </p:spPr>
-        <p:txBody>
-          <a:bodyPr/>
-          <a:lstStyle/>
-          <a:p>
-            <a:r>
-              <a:rPr lang="en-US" dirty="0"/>
-              <a:t>Assumptions:</a:t>
-            </a:r>
-          </a:p>
-          <a:p>
-            <a:pPr lvl="1"/>
-            <a:r>
-              <a:rPr lang="en-US" dirty="0"/>
-              <a:t>background has slow temporal dynamics </a:t>
-            </a:r>
-          </a:p>
-          <a:p>
-            <a:pPr lvl="1"/>
-            <a:r>
-              <a:rPr lang="en-US" dirty="0"/>
-              <a:t>data starts with some number of background-only frames </a:t>
-            </a:r>
-          </a:p>
-          <a:p>
-            <a:r>
-              <a:rPr lang="en-US" dirty="0"/>
-              <a:t>Assumptions: </a:t>
-            </a:r>
-          </a:p>
-          <a:p>
-            <a:pPr lvl="1"/>
-            <a:r>
-              <a:rPr lang="en-US" dirty="0"/>
-              <a:t>only vertical velocity matters</a:t>
-            </a:r>
-          </a:p>
-          <a:p>
+            <a:ext cx="4606962" cy="4351338"/>
+          </a:xfrm>
+        </p:spPr>
+        <p:txBody>
+          <a:bodyPr/>
+          <a:lstStyle/>
+          <a:p>
+            <a:r>
+              <a:rPr lang="en-US" dirty="0" smtClean="0"/>
+              <a:t>Background has slow temporal dynamics</a:t>
+            </a:r>
+          </a:p>
+          <a:p>
+            <a:r>
+              <a:rPr lang="en-US" dirty="0" smtClean="0"/>
+              <a:t>Data starts with some number of background-only frames</a:t>
+            </a:r>
+          </a:p>
+          <a:p>
+            <a:r>
+              <a:rPr lang="en-US" dirty="0" smtClean="0"/>
+              <a:t>Only vertical velocity matters</a:t>
+            </a:r>
             <a:endParaRPr lang="en-US" dirty="0"/>
           </a:p>
         </p:txBody>
       </p:sp>
       <p:pic>
         <p:nvPicPr>
-          <p:cNvPr id="4" name="exampleVideo_dB9irN.mp4">
+          <p:cNvPr id="5" name="tempName_IeDGlD.mp4">
             <a:hlinkClick r:id="" action="ppaction://media"/>
           </p:cNvPr>
           <p:cNvPicPr>
@@ -3559,18 +4141,174 @@
         </p:blipFill>
         <p:spPr>
           <a:xfrm>
-            <a:off x="5839979" y="1264022"/>
-            <a:ext cx="5921715" cy="4783277"/>
+            <a:off x="5445162" y="1360170"/>
+            <a:ext cx="6568861" cy="4470475"/>
           </a:xfrm>
           <a:prstGeom prst="rect">
             <a:avLst/>
           </a:prstGeom>
         </p:spPr>
       </p:pic>
+      <p:sp>
+        <p:nvSpPr>
+          <p:cNvPr id="6" name="Down Arrow 5"/>
+          <p:cNvSpPr/>
+          <p:nvPr/>
+        </p:nvSpPr>
+        <p:spPr>
+          <a:xfrm>
+            <a:off x="5429030" y="1825624"/>
+            <a:ext cx="796066" cy="1283335"/>
+          </a:xfrm>
+          <a:prstGeom prst="downArrow">
+            <a:avLst/>
+          </a:prstGeom>
+          <a:solidFill>
+            <a:srgbClr val="00B050"/>
+          </a:solidFill>
+          <a:ln>
+            <a:solidFill>
+              <a:srgbClr val="00B050"/>
+            </a:solidFill>
+          </a:ln>
+        </p:spPr>
+        <p:style>
+          <a:lnRef idx="2">
+            <a:schemeClr val="accent1">
+              <a:shade val="50000"/>
+            </a:schemeClr>
+          </a:lnRef>
+          <a:fillRef idx="1">
+            <a:schemeClr val="accent1"/>
+          </a:fillRef>
+          <a:effectRef idx="0">
+            <a:schemeClr val="accent1"/>
+          </a:effectRef>
+          <a:fontRef idx="minor">
+            <a:schemeClr val="lt1"/>
+          </a:fontRef>
+        </p:style>
+        <p:txBody>
+          <a:bodyPr rtlCol="0" anchor="ctr"/>
+          <a:lstStyle/>
+          <a:p>
+            <a:pPr algn="ctr"/>
+            <a:endParaRPr lang="en-US" dirty="0"/>
+          </a:p>
+        </p:txBody>
+      </p:sp>
+      <p:sp>
+        <p:nvSpPr>
+          <p:cNvPr id="7" name="Down Arrow 6"/>
+          <p:cNvSpPr/>
+          <p:nvPr/>
+        </p:nvSpPr>
+        <p:spPr>
+          <a:xfrm rot="10800000">
+            <a:off x="11395934" y="1825624"/>
+            <a:ext cx="796066" cy="1283335"/>
+          </a:xfrm>
+          <a:prstGeom prst="downArrow">
+            <a:avLst/>
+          </a:prstGeom>
+          <a:solidFill>
+            <a:srgbClr val="FF0000"/>
+          </a:solidFill>
+          <a:ln>
+            <a:solidFill>
+              <a:srgbClr val="FF0000"/>
+            </a:solidFill>
+          </a:ln>
+        </p:spPr>
+        <p:style>
+          <a:lnRef idx="2">
+            <a:schemeClr val="accent1">
+              <a:shade val="50000"/>
+            </a:schemeClr>
+          </a:lnRef>
+          <a:fillRef idx="1">
+            <a:schemeClr val="accent1"/>
+          </a:fillRef>
+          <a:effectRef idx="0">
+            <a:schemeClr val="accent1"/>
+          </a:effectRef>
+          <a:fontRef idx="minor">
+            <a:schemeClr val="lt1"/>
+          </a:fontRef>
+        </p:style>
+        <p:txBody>
+          <a:bodyPr rtlCol="0" anchor="ctr"/>
+          <a:lstStyle/>
+          <a:p>
+            <a:pPr algn="ctr"/>
+            <a:endParaRPr lang="en-US"/>
+          </a:p>
+        </p:txBody>
+      </p:sp>
+      <p:sp>
+        <p:nvSpPr>
+          <p:cNvPr id="9" name="TextBox 8"/>
+          <p:cNvSpPr txBox="1"/>
+          <p:nvPr/>
+        </p:nvSpPr>
+        <p:spPr>
+          <a:xfrm>
+            <a:off x="5573628" y="2151533"/>
+            <a:ext cx="506870" cy="523220"/>
+          </a:xfrm>
+          <a:prstGeom prst="rect">
+            <a:avLst/>
+          </a:prstGeom>
+          <a:noFill/>
+        </p:spPr>
+        <p:txBody>
+          <a:bodyPr wrap="none" rtlCol="0">
+            <a:spAutoFit/>
+          </a:bodyPr>
+          <a:lstStyle/>
+          <a:p>
+            <a:r>
+              <a:rPr lang="en-US" sz="2800" dirty="0" smtClean="0"/>
+              <a:t>IN</a:t>
+            </a:r>
+            <a:endParaRPr lang="en-US" sz="2800" dirty="0"/>
+          </a:p>
+        </p:txBody>
+      </p:sp>
+      <p:sp>
+        <p:nvSpPr>
+          <p:cNvPr id="10" name="TextBox 9"/>
+          <p:cNvSpPr txBox="1"/>
+          <p:nvPr/>
+        </p:nvSpPr>
+        <p:spPr>
+          <a:xfrm>
+            <a:off x="11403797" y="2173049"/>
+            <a:ext cx="827471" cy="523220"/>
+          </a:xfrm>
+          <a:prstGeom prst="rect">
+            <a:avLst/>
+          </a:prstGeom>
+          <a:noFill/>
+        </p:spPr>
+        <p:txBody>
+          <a:bodyPr wrap="none" rtlCol="0">
+            <a:spAutoFit/>
+          </a:bodyPr>
+          <a:lstStyle/>
+          <a:p>
+            <a:r>
+              <a:rPr lang="en-US" sz="2800" smtClean="0"/>
+              <a:t>OUT</a:t>
+            </a:r>
+            <a:endParaRPr lang="en-US" sz="2800" dirty="0"/>
+          </a:p>
+        </p:txBody>
+      </p:sp>
     </p:spTree>
     <p:extLst>
       <p:ext uri="{BB962C8B-B14F-4D97-AF65-F5344CB8AC3E}">
-        <p14:creationId xmlns:p14="http://schemas.microsoft.com/office/powerpoint/2010/main" val="1464020390"/>
+        <p14:creationId xmlns:p14="http://schemas.microsoft.com/office/powerpoint/2010/main" val="259776114"/>
       </p:ext>
     </p:extLst>
   </p:cSld>
@@ -3583,22 +4321,15 @@
         <p:cTn id="1" dur="indefinite" restart="never" nodeType="tmRoot">
           <p:childTnLst>
             <p:seq concurrent="1" nextAc="seek">
-              <p:cTn id="2" restart="whenNotActive" fill="hold" evtFilter="cancelBubble" nodeType="interactiveSeq">
-                <p:stCondLst>
-                  <p:cond evt="onClick" delay="0">
-                    <p:tgtEl>
-                      <p:spTgt spid="4"/>
-                    </p:tgtEl>
-                  </p:cond>
-                </p:stCondLst>
-                <p:endSync evt="end" delay="0">
-                  <p:rtn val="all"/>
-                </p:endSync>
+              <p:cTn id="2" dur="indefinite" nodeType="mainSeq">
                 <p:childTnLst>
                   <p:par>
                     <p:cTn id="3" fill="hold">
                       <p:stCondLst>
-                        <p:cond delay="0"/>
+                        <p:cond delay="indefinite"/>
+                        <p:cond evt="onBegin" delay="0">
+                          <p:tn val="2"/>
+                        </p:cond>
                       </p:stCondLst>
                       <p:childTnLst>
                         <p:par>
@@ -3608,16 +4339,93 @@
                             </p:stCondLst>
                             <p:childTnLst>
                               <p:par>
-                                <p:cTn id="5" presetID="2" presetClass="mediacall" presetSubtype="0" fill="hold" nodeType="clickEffect">
+                                <p:cTn id="5" presetID="1" presetClass="mediacall" presetSubtype="0" fill="hold" nodeType="afterEffect">
+                                  <p:stCondLst>
+                                    <p:cond delay="0"/>
+                                  </p:stCondLst>
+                                  <p:childTnLst>
+                                    <p:cmd type="call" cmd="playFrom(0.0)">
+                                      <p:cBhvr>
+                                        <p:cTn id="6" dur="50600" fill="hold"/>
+                                        <p:tgtEl>
+                                          <p:spTgt spid="5"/>
+                                        </p:tgtEl>
+                                      </p:cBhvr>
+                                    </p:cmd>
+                                  </p:childTnLst>
+                                </p:cTn>
+                              </p:par>
+                            </p:childTnLst>
+                          </p:cTn>
+                        </p:par>
+                      </p:childTnLst>
+                    </p:cTn>
+                  </p:par>
+                </p:childTnLst>
+              </p:cTn>
+              <p:prevCondLst>
+                <p:cond evt="onPrev" delay="0">
+                  <p:tgtEl>
+                    <p:sldTgt/>
+                  </p:tgtEl>
+                </p:cond>
+              </p:prevCondLst>
+              <p:nextCondLst>
+                <p:cond evt="onNext" delay="0">
+                  <p:tgtEl>
+                    <p:sldTgt/>
+                  </p:tgtEl>
+                </p:cond>
+              </p:nextCondLst>
+            </p:seq>
+            <p:video>
+              <p:cMediaNode vol="80000">
+                <p:cTn id="7" repeatCount="indefinite" fill="hold" display="0">
+                  <p:stCondLst>
+                    <p:cond delay="indefinite"/>
+                  </p:stCondLst>
+                </p:cTn>
+                <p:tgtEl>
+                  <p:spTgt spid="5"/>
+                </p:tgtEl>
+              </p:cMediaNode>
+            </p:video>
+            <p:seq concurrent="1" nextAc="seek">
+              <p:cTn id="8" restart="whenNotActive" fill="hold" evtFilter="cancelBubble" nodeType="interactiveSeq">
+                <p:stCondLst>
+                  <p:cond evt="onClick" delay="0">
+                    <p:tgtEl>
+                      <p:spTgt spid="5"/>
+                    </p:tgtEl>
+                  </p:cond>
+                </p:stCondLst>
+                <p:endSync evt="end" delay="0">
+                  <p:rtn val="all"/>
+                </p:endSync>
+                <p:childTnLst>
+                  <p:par>
+                    <p:cTn id="9" fill="hold">
+                      <p:stCondLst>
+                        <p:cond delay="0"/>
+                      </p:stCondLst>
+                      <p:childTnLst>
+                        <p:par>
+                          <p:cTn id="10" fill="hold">
+                            <p:stCondLst>
+                              <p:cond delay="0"/>
+                            </p:stCondLst>
+                            <p:childTnLst>
+                              <p:par>
+                                <p:cTn id="11" presetID="2" presetClass="mediacall" presetSubtype="0" fill="hold" nodeType="clickEffect">
                                   <p:stCondLst>
                                     <p:cond delay="0"/>
                                   </p:stCondLst>
                                   <p:childTnLst>
                                     <p:cmd type="call" cmd="togglePause">
                                       <p:cBhvr>
-                                        <p:cTn id="6" dur="1" fill="hold"/>
+                                        <p:cTn id="12" dur="1" fill="hold"/>
                                         <p:tgtEl>
-                                          <p:spTgt spid="4"/>
+                                          <p:spTgt spid="5"/>
                                         </p:tgtEl>
                                       </p:cBhvr>
                                     </p:cmd>
@@ -3635,23 +4443,11 @@
               <p:nextCondLst>
                 <p:cond evt="onClick" delay="0">
                   <p:tgtEl>
-                    <p:spTgt spid="4"/>
+                    <p:spTgt spid="5"/>
                   </p:tgtEl>
                 </p:cond>
               </p:nextCondLst>
             </p:seq>
-            <p:video>
-              <p:cMediaNode vol="80000">
-                <p:cTn id="7" fill="hold" display="0">
-                  <p:stCondLst>
-                    <p:cond delay="indefinite"/>
-                  </p:stCondLst>
-                </p:cTn>
-                <p:tgtEl>
-                  <p:spTgt spid="4"/>
-                </p:tgtEl>
-              </p:cMediaNode>
-            </p:video>
           </p:childTnLst>
         </p:cTn>
       </p:par>
@@ -3677,9 +4473,153 @@
           <a:chExt cx="0" cy="0"/>
         </a:xfrm>
       </p:grpSpPr>
+      <p:sp>
+        <p:nvSpPr>
+          <p:cNvPr id="2" name="Title 1"/>
+          <p:cNvSpPr>
+            <a:spLocks noGrp="1"/>
+          </p:cNvSpPr>
+          <p:nvPr>
+            <p:ph type="title"/>
+          </p:nvPr>
+        </p:nvSpPr>
+        <p:spPr/>
+        <p:txBody>
+          <a:bodyPr/>
+          <a:lstStyle/>
+          <a:p>
+            <a:r>
+              <a:rPr lang="en-US" dirty="0" smtClean="0"/>
+              <a:t>Three-step </a:t>
+            </a:r>
+            <a:r>
+              <a:rPr lang="en-US" dirty="0" smtClean="0"/>
+              <a:t>Approach</a:t>
+            </a:r>
+            <a:endParaRPr lang="en-US" dirty="0"/>
+          </a:p>
+        </p:txBody>
+      </p:sp>
+      <p:sp>
+        <p:nvSpPr>
+          <p:cNvPr id="3" name="Content Placeholder 2"/>
+          <p:cNvSpPr>
+            <a:spLocks noGrp="1"/>
+          </p:cNvSpPr>
+          <p:nvPr>
+            <p:ph idx="1"/>
+          </p:nvPr>
+        </p:nvSpPr>
+        <p:spPr/>
+        <p:txBody>
+          <a:bodyPr/>
+          <a:lstStyle/>
+          <a:p>
+            <a:r>
+              <a:rPr lang="en-US" dirty="0"/>
+              <a:t>Our approach breaks the problem into </a:t>
+            </a:r>
+            <a:r>
+              <a:rPr lang="en-US" dirty="0" smtClean="0"/>
+              <a:t>three </a:t>
+            </a:r>
+            <a:r>
+              <a:rPr lang="en-US" dirty="0"/>
+              <a:t>parts: </a:t>
+            </a:r>
+            <a:endParaRPr lang="en-US" dirty="0" smtClean="0"/>
+          </a:p>
+          <a:p>
+            <a:pPr marL="914400" lvl="1" indent="-457200">
+              <a:buFont typeface="+mj-lt"/>
+              <a:buAutoNum type="arabicPeriod"/>
+            </a:pPr>
+            <a:r>
+              <a:rPr lang="en-US" dirty="0" smtClean="0"/>
+              <a:t>detect </a:t>
+            </a:r>
+            <a:r>
+              <a:rPr lang="en-US" dirty="0"/>
+              <a:t>a person in the doorway </a:t>
+            </a:r>
+            <a:endParaRPr lang="en-US" dirty="0" smtClean="0"/>
+          </a:p>
+          <a:p>
+            <a:pPr lvl="2"/>
+            <a:r>
+              <a:rPr lang="en-US" dirty="0" smtClean="0"/>
+              <a:t>background </a:t>
+            </a:r>
+            <a:r>
+              <a:rPr lang="en-US" dirty="0"/>
+              <a:t>subtraction </a:t>
+            </a:r>
+            <a:r>
+              <a:rPr lang="en-US" dirty="0" smtClean="0"/>
+              <a:t>methods</a:t>
+            </a:r>
+            <a:endParaRPr lang="en-US" dirty="0" smtClean="0"/>
+          </a:p>
+          <a:p>
+            <a:pPr lvl="3"/>
+            <a:endParaRPr lang="en-US" dirty="0"/>
+          </a:p>
+          <a:p>
+            <a:pPr marL="914400" lvl="1" indent="-457200">
+              <a:buFont typeface="+mj-lt"/>
+              <a:buAutoNum type="arabicPeriod"/>
+            </a:pPr>
+            <a:r>
+              <a:rPr lang="en-US" dirty="0" smtClean="0"/>
+              <a:t>determine </a:t>
+            </a:r>
+            <a:r>
+              <a:rPr lang="en-US" dirty="0"/>
+              <a:t>the direction of motion of the </a:t>
+            </a:r>
+            <a:r>
+              <a:rPr lang="en-US" dirty="0" smtClean="0"/>
+              <a:t>person</a:t>
+            </a:r>
+            <a:endParaRPr lang="en-US" dirty="0"/>
+          </a:p>
+          <a:p>
+            <a:pPr lvl="2"/>
+            <a:r>
+              <a:rPr lang="en-US" dirty="0" smtClean="0"/>
+              <a:t>Gradient based optical flow </a:t>
+            </a:r>
+            <a:r>
+              <a:rPr lang="en-US" dirty="0" smtClean="0"/>
+              <a:t>algorithm</a:t>
+            </a:r>
+          </a:p>
+          <a:p>
+            <a:pPr lvl="2"/>
+            <a:endParaRPr lang="en-US" dirty="0"/>
+          </a:p>
+          <a:p>
+            <a:pPr marL="914400" lvl="1" indent="-457200">
+              <a:buFont typeface="+mj-lt"/>
+              <a:buAutoNum type="arabicPeriod"/>
+            </a:pPr>
+            <a:r>
+              <a:rPr lang="en-US" dirty="0" smtClean="0"/>
+              <a:t>People counter</a:t>
+            </a:r>
+          </a:p>
+          <a:p>
+            <a:pPr marL="914400" lvl="1" indent="-457200">
+              <a:buFont typeface="+mj-lt"/>
+              <a:buAutoNum type="arabicPeriod"/>
+            </a:pPr>
+            <a:endParaRPr lang="en-US" dirty="0" smtClean="0"/>
+          </a:p>
+        </p:txBody>
+      </p:sp>
       <p:pic>
         <p:nvPicPr>
-          <p:cNvPr id="7" name="Picture 6"/>
+          <p:cNvPr id="5" name="Picture 4"/>
           <p:cNvPicPr>
             <a:picLocks noChangeAspect="1"/>
           </p:cNvPicPr>
@@ -3699,127 +4639,17 @@
         </p:blipFill>
         <p:spPr>
           <a:xfrm>
-            <a:off x="7240582" y="2884725"/>
-            <a:ext cx="4277087" cy="868680"/>
+            <a:off x="7672294" y="5780799"/>
+            <a:ext cx="2702859" cy="792328"/>
           </a:xfrm>
           <a:prstGeom prst="rect">
             <a:avLst/>
           </a:prstGeom>
         </p:spPr>
       </p:pic>
-      <p:sp>
-        <p:nvSpPr>
-          <p:cNvPr id="2" name="Title 1"/>
-          <p:cNvSpPr>
-            <a:spLocks noGrp="1"/>
-          </p:cNvSpPr>
-          <p:nvPr>
-            <p:ph type="title"/>
-          </p:nvPr>
-        </p:nvSpPr>
-        <p:spPr/>
-        <p:txBody>
-          <a:bodyPr/>
-          <a:lstStyle/>
-          <a:p>
-            <a:r>
-              <a:rPr lang="en-US" dirty="0" smtClean="0"/>
-              <a:t>Two-step Approach</a:t>
-            </a:r>
-            <a:endParaRPr lang="en-US" dirty="0"/>
-          </a:p>
-        </p:txBody>
-      </p:sp>
-      <p:sp>
-        <p:nvSpPr>
-          <p:cNvPr id="3" name="Content Placeholder 2"/>
-          <p:cNvSpPr>
-            <a:spLocks noGrp="1"/>
-          </p:cNvSpPr>
-          <p:nvPr>
-            <p:ph idx="1"/>
-          </p:nvPr>
-        </p:nvSpPr>
-        <p:spPr/>
-        <p:txBody>
-          <a:bodyPr/>
-          <a:lstStyle/>
-          <a:p>
-            <a:r>
-              <a:rPr lang="en-US" dirty="0"/>
-              <a:t>Our approach breaks the problem into two parts: </a:t>
-            </a:r>
-            <a:endParaRPr lang="en-US" dirty="0" smtClean="0"/>
-          </a:p>
-          <a:p>
-            <a:pPr marL="914400" lvl="1" indent="-457200">
-              <a:buFont typeface="+mj-lt"/>
-              <a:buAutoNum type="arabicPeriod"/>
-            </a:pPr>
-            <a:r>
-              <a:rPr lang="en-US" dirty="0" smtClean="0"/>
-              <a:t>detect </a:t>
-            </a:r>
-            <a:r>
-              <a:rPr lang="en-US" dirty="0"/>
-              <a:t>a person in the doorway </a:t>
-            </a:r>
-            <a:endParaRPr lang="en-US" dirty="0" smtClean="0"/>
-          </a:p>
-          <a:p>
-            <a:pPr lvl="2"/>
-            <a:r>
-              <a:rPr lang="en-US" dirty="0"/>
-              <a:t>f</a:t>
-            </a:r>
-            <a:r>
-              <a:rPr lang="en-US" dirty="0" smtClean="0"/>
-              <a:t>oreground-adaptive </a:t>
-            </a:r>
-            <a:r>
-              <a:rPr lang="en-US" dirty="0"/>
-              <a:t>background subtraction </a:t>
-            </a:r>
-            <a:endParaRPr lang="en-US" dirty="0" smtClean="0"/>
-          </a:p>
-          <a:p>
-            <a:pPr lvl="3"/>
-            <a:endParaRPr lang="en-US" dirty="0"/>
-          </a:p>
-          <a:p>
-            <a:pPr marL="914400" lvl="1" indent="-457200">
-              <a:buFont typeface="+mj-lt"/>
-              <a:buAutoNum type="arabicPeriod"/>
-            </a:pPr>
-            <a:r>
-              <a:rPr lang="en-US" dirty="0" smtClean="0"/>
-              <a:t>determine </a:t>
-            </a:r>
-            <a:r>
-              <a:rPr lang="en-US" dirty="0"/>
-              <a:t>the direction of motion of the </a:t>
-            </a:r>
-            <a:r>
-              <a:rPr lang="en-US" dirty="0" smtClean="0"/>
-              <a:t>person</a:t>
-            </a:r>
-            <a:endParaRPr lang="en-US" dirty="0"/>
-          </a:p>
-          <a:p>
-            <a:pPr lvl="2"/>
-            <a:r>
-              <a:rPr lang="en-US" dirty="0" smtClean="0"/>
-              <a:t>Gradient based optical flow algorithm</a:t>
-            </a:r>
-          </a:p>
-          <a:p>
-            <a:endParaRPr lang="en-US" dirty="0"/>
-          </a:p>
-        </p:txBody>
-      </p:sp>
       <p:pic>
         <p:nvPicPr>
-          <p:cNvPr id="5" name="Picture 4"/>
+          <p:cNvPr id="6" name="Picture 5"/>
           <p:cNvPicPr>
             <a:picLocks noChangeAspect="1"/>
           </p:cNvPicPr>
@@ -3839,68 +4669,8 @@
         </p:blipFill>
         <p:spPr>
           <a:xfrm>
-            <a:off x="6454588" y="4990157"/>
-            <a:ext cx="2702859" cy="792328"/>
-          </a:xfrm>
-          <a:prstGeom prst="rect">
-            <a:avLst/>
-          </a:prstGeom>
-        </p:spPr>
-      </p:pic>
-      <p:pic>
-        <p:nvPicPr>
-          <p:cNvPr id="6" name="Picture 5"/>
-          <p:cNvPicPr>
-            <a:picLocks noChangeAspect="1"/>
-          </p:cNvPicPr>
-          <p:nvPr/>
-        </p:nvPicPr>
-        <p:blipFill>
-          <a:blip r:embed="rId4">
-            <a:extLst>
-              <a:ext uri="{28A0092B-C50C-407E-A947-70E740481C1C}">
-                <a14:useLocalDpi xmlns:a14="http://schemas.microsoft.com/office/drawing/2010/main" val="0"/>
-              </a:ext>
-            </a:extLst>
-          </a:blip>
-          <a:stretch>
-            <a:fillRect/>
-          </a:stretch>
-        </p:blipFill>
-        <p:spPr>
-          <a:xfrm>
-            <a:off x="9862671" y="4825389"/>
+            <a:off x="10608235" y="5616031"/>
             <a:ext cx="1491129" cy="1121864"/>
-          </a:xfrm>
-          <a:prstGeom prst="rect">
-            <a:avLst/>
-          </a:prstGeom>
-        </p:spPr>
-      </p:pic>
-      <p:pic>
-        <p:nvPicPr>
-          <p:cNvPr id="8" name="Picture 7"/>
-          <p:cNvPicPr>
-            <a:picLocks noChangeAspect="1"/>
-          </p:cNvPicPr>
-          <p:nvPr/>
-        </p:nvPicPr>
-        <p:blipFill>
-          <a:blip r:embed="rId5">
-            <a:extLst>
-              <a:ext uri="{28A0092B-C50C-407E-A947-70E740481C1C}">
-                <a14:useLocalDpi xmlns:a14="http://schemas.microsoft.com/office/drawing/2010/main" val="0"/>
-              </a:ext>
-            </a:extLst>
-          </a:blip>
-          <a:stretch>
-            <a:fillRect/>
-          </a:stretch>
-        </p:blipFill>
-        <p:spPr>
-          <a:xfrm>
-            <a:off x="7224981" y="2328596"/>
-            <a:ext cx="4120029" cy="621678"/>
           </a:xfrm>
           <a:prstGeom prst="rect">
             <a:avLst/>
@@ -3954,14 +4724,23 @@
             <p:ph type="title"/>
           </p:nvPr>
         </p:nvSpPr>
-        <p:spPr/>
+        <p:spPr>
+          <a:xfrm>
+            <a:off x="838200" y="-183515"/>
+            <a:ext cx="10515600" cy="1325563"/>
+          </a:xfrm>
+        </p:spPr>
         <p:txBody>
           <a:bodyPr/>
           <a:lstStyle/>
           <a:p>
             <a:r>
               <a:rPr lang="en-US" dirty="0" smtClean="0"/>
-              <a:t>Background Subtraction</a:t>
+              <a:t>Background </a:t>
+            </a:r>
+            <a:r>
+              <a:rPr lang="en-US" dirty="0" smtClean="0"/>
+              <a:t>Subtraction</a:t>
             </a:r>
             <a:endParaRPr lang="en-US" dirty="0"/>
           </a:p>
@@ -3977,19 +4756,490 @@
             <p:ph idx="1"/>
           </p:nvPr>
         </p:nvSpPr>
-        <p:spPr/>
-        <p:txBody>
-          <a:bodyPr/>
-          <a:lstStyle/>
-          <a:p>
-            <a:endParaRPr lang="en-US"/>
-          </a:p>
-        </p:txBody>
-      </p:sp>
+        <p:spPr>
+          <a:xfrm>
+            <a:off x="216976" y="837127"/>
+            <a:ext cx="5638643" cy="5768389"/>
+          </a:xfrm>
+          <a:ln w="22225"/>
+        </p:spPr>
+        <p:style>
+          <a:lnRef idx="2">
+            <a:schemeClr val="accent2"/>
+          </a:lnRef>
+          <a:fillRef idx="1">
+            <a:schemeClr val="lt1"/>
+          </a:fillRef>
+          <a:effectRef idx="0">
+            <a:schemeClr val="accent2"/>
+          </a:effectRef>
+          <a:fontRef idx="minor">
+            <a:schemeClr val="dk1"/>
+          </a:fontRef>
+        </p:style>
+        <p:txBody>
+          <a:bodyPr>
+            <a:normAutofit/>
+          </a:bodyPr>
+          <a:lstStyle/>
+          <a:p>
+            <a:pPr marL="0" indent="0">
+              <a:buNone/>
+            </a:pPr>
+            <a:r>
+              <a:rPr lang="en-US" b="1" dirty="0" smtClean="0"/>
+              <a:t>Running Gaussian average </a:t>
+            </a:r>
+          </a:p>
+          <a:p>
+            <a:pPr marL="0" indent="0">
+              <a:buNone/>
+            </a:pPr>
+            <a:r>
+              <a:rPr lang="en-US" b="1" dirty="0"/>
+              <a:t>	</a:t>
+            </a:r>
+            <a:r>
+              <a:rPr lang="en-US" dirty="0" smtClean="0"/>
+              <a:t>(with adaptive threshold)</a:t>
+            </a:r>
+          </a:p>
+          <a:p>
+            <a:pPr marL="0" indent="0">
+              <a:buNone/>
+            </a:pPr>
+            <a:r>
+              <a:rPr lang="en-US" dirty="0" smtClean="0"/>
+              <a:t>background at each pixel</a:t>
+            </a:r>
+          </a:p>
+          <a:p>
+            <a:pPr marL="0" indent="0">
+              <a:buNone/>
+            </a:pPr>
+            <a:endParaRPr lang="en-US" dirty="0"/>
+          </a:p>
+          <a:p>
+            <a:pPr marL="0" indent="0">
+              <a:buNone/>
+            </a:pPr>
+            <a:r>
+              <a:rPr lang="en-US" dirty="0" smtClean="0"/>
+              <a:t>Foreground:</a:t>
+            </a:r>
+            <a:endParaRPr lang="en-US" dirty="0"/>
+          </a:p>
+        </p:txBody>
+      </p:sp>
+      <p:sp>
+        <p:nvSpPr>
+          <p:cNvPr id="4" name="Content Placeholder 2"/>
+          <p:cNvSpPr txBox="1">
+            <a:spLocks/>
+          </p:cNvSpPr>
+          <p:nvPr/>
+        </p:nvSpPr>
+        <p:spPr>
+          <a:xfrm>
+            <a:off x="6254250" y="837127"/>
+            <a:ext cx="5720774" cy="5768389"/>
+          </a:xfrm>
+          <a:prstGeom prst="rect">
+            <a:avLst/>
+          </a:prstGeom>
+          <a:ln w="25400"/>
+        </p:spPr>
+        <p:style>
+          <a:lnRef idx="2">
+            <a:schemeClr val="accent6"/>
+          </a:lnRef>
+          <a:fillRef idx="1">
+            <a:schemeClr val="lt1"/>
+          </a:fillRef>
+          <a:effectRef idx="0">
+            <a:schemeClr val="accent6"/>
+          </a:effectRef>
+          <a:fontRef idx="minor">
+            <a:schemeClr val="dk1"/>
+          </a:fontRef>
+        </p:style>
+        <p:txBody>
+          <a:bodyPr vert="horz" lIns="91440" tIns="45720" rIns="91440" bIns="45720" rtlCol="0">
+            <a:normAutofit/>
+          </a:bodyPr>
+          <a:lstStyle>
+            <a:lvl1pPr marL="228600" indent="-228600" algn="l" defTabSz="914400" rtl="0" eaLnBrk="1" latinLnBrk="0" hangingPunct="1">
+              <a:lnSpc>
+                <a:spcPct val="90000"/>
+              </a:lnSpc>
+              <a:spcBef>
+                <a:spcPts val="1000"/>
+              </a:spcBef>
+              <a:buFont typeface="Arial"/>
+              <a:buChar char="•"/>
+              <a:defRPr sz="2800" kern="1200">
+                <a:solidFill>
+                  <a:schemeClr val="dk1"/>
+                </a:solidFill>
+                <a:latin typeface="+mn-lt"/>
+                <a:ea typeface="+mn-ea"/>
+                <a:cs typeface="+mn-cs"/>
+              </a:defRPr>
+            </a:lvl1pPr>
+            <a:lvl2pPr marL="685800" indent="-228600" algn="l" defTabSz="914400" rtl="0" eaLnBrk="1" latinLnBrk="0" hangingPunct="1">
+              <a:lnSpc>
+                <a:spcPct val="90000"/>
+              </a:lnSpc>
+              <a:spcBef>
+                <a:spcPts val="500"/>
+              </a:spcBef>
+              <a:buFont typeface="Arial"/>
+              <a:buChar char="•"/>
+              <a:defRPr sz="2400" kern="1200">
+                <a:solidFill>
+                  <a:schemeClr val="dk1"/>
+                </a:solidFill>
+                <a:latin typeface="+mn-lt"/>
+                <a:ea typeface="+mn-ea"/>
+                <a:cs typeface="+mn-cs"/>
+              </a:defRPr>
+            </a:lvl2pPr>
+            <a:lvl3pPr marL="1143000" indent="-228600" algn="l" defTabSz="914400" rtl="0" eaLnBrk="1" latinLnBrk="0" hangingPunct="1">
+              <a:lnSpc>
+                <a:spcPct val="90000"/>
+              </a:lnSpc>
+              <a:spcBef>
+                <a:spcPts val="500"/>
+              </a:spcBef>
+              <a:buFont typeface="Arial"/>
+              <a:buChar char="•"/>
+              <a:defRPr sz="2000" kern="1200">
+                <a:solidFill>
+                  <a:schemeClr val="dk1"/>
+                </a:solidFill>
+                <a:latin typeface="+mn-lt"/>
+                <a:ea typeface="+mn-ea"/>
+                <a:cs typeface="+mn-cs"/>
+              </a:defRPr>
+            </a:lvl3pPr>
+            <a:lvl4pPr marL="1600200" indent="-228600" algn="l" defTabSz="914400" rtl="0" eaLnBrk="1" latinLnBrk="0" hangingPunct="1">
+              <a:lnSpc>
+                <a:spcPct val="90000"/>
+              </a:lnSpc>
+              <a:spcBef>
+                <a:spcPts val="500"/>
+              </a:spcBef>
+              <a:buFont typeface="Arial"/>
+              <a:buChar char="•"/>
+              <a:defRPr sz="1800" kern="1200">
+                <a:solidFill>
+                  <a:schemeClr val="dk1"/>
+                </a:solidFill>
+                <a:latin typeface="+mn-lt"/>
+                <a:ea typeface="+mn-ea"/>
+                <a:cs typeface="+mn-cs"/>
+              </a:defRPr>
+            </a:lvl4pPr>
+            <a:lvl5pPr marL="2057400" indent="-228600" algn="l" defTabSz="914400" rtl="0" eaLnBrk="1" latinLnBrk="0" hangingPunct="1">
+              <a:lnSpc>
+                <a:spcPct val="90000"/>
+              </a:lnSpc>
+              <a:spcBef>
+                <a:spcPts val="500"/>
+              </a:spcBef>
+              <a:buFont typeface="Arial"/>
+              <a:buChar char="•"/>
+              <a:defRPr sz="1800" kern="1200">
+                <a:solidFill>
+                  <a:schemeClr val="dk1"/>
+                </a:solidFill>
+                <a:latin typeface="+mn-lt"/>
+                <a:ea typeface="+mn-ea"/>
+                <a:cs typeface="+mn-cs"/>
+              </a:defRPr>
+            </a:lvl5pPr>
+            <a:lvl6pPr marL="2514600" indent="-228600" algn="l" defTabSz="914400" rtl="0" eaLnBrk="1" latinLnBrk="0" hangingPunct="1">
+              <a:lnSpc>
+                <a:spcPct val="90000"/>
+              </a:lnSpc>
+              <a:spcBef>
+                <a:spcPts val="500"/>
+              </a:spcBef>
+              <a:buFont typeface="Arial"/>
+              <a:buChar char="•"/>
+              <a:defRPr sz="1800" kern="1200">
+                <a:solidFill>
+                  <a:schemeClr val="dk1"/>
+                </a:solidFill>
+                <a:latin typeface="+mn-lt"/>
+                <a:ea typeface="+mn-ea"/>
+                <a:cs typeface="+mn-cs"/>
+              </a:defRPr>
+            </a:lvl6pPr>
+            <a:lvl7pPr marL="2971800" indent="-228600" algn="l" defTabSz="914400" rtl="0" eaLnBrk="1" latinLnBrk="0" hangingPunct="1">
+              <a:lnSpc>
+                <a:spcPct val="90000"/>
+              </a:lnSpc>
+              <a:spcBef>
+                <a:spcPts val="500"/>
+              </a:spcBef>
+              <a:buFont typeface="Arial"/>
+              <a:buChar char="•"/>
+              <a:defRPr sz="1800" kern="1200">
+                <a:solidFill>
+                  <a:schemeClr val="dk1"/>
+                </a:solidFill>
+                <a:latin typeface="+mn-lt"/>
+                <a:ea typeface="+mn-ea"/>
+                <a:cs typeface="+mn-cs"/>
+              </a:defRPr>
+            </a:lvl7pPr>
+            <a:lvl8pPr marL="3429000" indent="-228600" algn="l" defTabSz="914400" rtl="0" eaLnBrk="1" latinLnBrk="0" hangingPunct="1">
+              <a:lnSpc>
+                <a:spcPct val="90000"/>
+              </a:lnSpc>
+              <a:spcBef>
+                <a:spcPts val="500"/>
+              </a:spcBef>
+              <a:buFont typeface="Arial"/>
+              <a:buChar char="•"/>
+              <a:defRPr sz="1800" kern="1200">
+                <a:solidFill>
+                  <a:schemeClr val="dk1"/>
+                </a:solidFill>
+                <a:latin typeface="+mn-lt"/>
+                <a:ea typeface="+mn-ea"/>
+                <a:cs typeface="+mn-cs"/>
+              </a:defRPr>
+            </a:lvl8pPr>
+            <a:lvl9pPr marL="3886200" indent="-228600" algn="l" defTabSz="914400" rtl="0" eaLnBrk="1" latinLnBrk="0" hangingPunct="1">
+              <a:lnSpc>
+                <a:spcPct val="90000"/>
+              </a:lnSpc>
+              <a:spcBef>
+                <a:spcPts val="500"/>
+              </a:spcBef>
+              <a:buFont typeface="Arial"/>
+              <a:buChar char="•"/>
+              <a:defRPr sz="1800" kern="1200">
+                <a:solidFill>
+                  <a:schemeClr val="dk1"/>
+                </a:solidFill>
+                <a:latin typeface="+mn-lt"/>
+                <a:ea typeface="+mn-ea"/>
+                <a:cs typeface="+mn-cs"/>
+              </a:defRPr>
+            </a:lvl9pPr>
+          </a:lstStyle>
+          <a:p>
+            <a:pPr marL="0" indent="0">
+              <a:buFont typeface="Arial"/>
+              <a:buNone/>
+            </a:pPr>
+            <a:r>
+              <a:rPr lang="en-US" b="1" dirty="0" smtClean="0"/>
+              <a:t>Foreground-adaptive</a:t>
+            </a:r>
+          </a:p>
+          <a:p>
+            <a:pPr marL="0" indent="0">
+              <a:buFont typeface="Arial"/>
+              <a:buNone/>
+            </a:pPr>
+            <a:r>
+              <a:rPr lang="en-US" b="1" dirty="0" smtClean="0"/>
+              <a:t>	</a:t>
+            </a:r>
+            <a:r>
+              <a:rPr lang="en-US" dirty="0" smtClean="0"/>
+              <a:t>(McHugh et al., 2009)</a:t>
+            </a:r>
+            <a:endParaRPr lang="en-US" dirty="0"/>
+          </a:p>
+          <a:p>
+            <a:pPr marL="0" indent="0">
+              <a:buFont typeface="Arial"/>
+              <a:buNone/>
+            </a:pPr>
+            <a:r>
+              <a:rPr lang="en-US" dirty="0" smtClean="0"/>
+              <a:t>Kernel density estimation of background and foreground models</a:t>
+            </a:r>
+          </a:p>
+          <a:p>
+            <a:pPr marL="0" indent="0">
+              <a:buFont typeface="Arial"/>
+              <a:buNone/>
+            </a:pPr>
+            <a:r>
+              <a:rPr lang="en-US" dirty="0" smtClean="0"/>
+              <a:t>Foreground:</a:t>
+            </a:r>
+            <a:endParaRPr lang="en-US" dirty="0"/>
+          </a:p>
+          <a:p>
+            <a:pPr marL="0" indent="0">
+              <a:buFont typeface="Arial"/>
+              <a:buNone/>
+            </a:pPr>
+            <a:endParaRPr lang="en-US" dirty="0"/>
+          </a:p>
+        </p:txBody>
+      </p:sp>
+      <p:pic>
+        <p:nvPicPr>
+          <p:cNvPr id="5" name="Picture 4"/>
+          <p:cNvPicPr>
+            <a:picLocks noChangeAspect="1"/>
+          </p:cNvPicPr>
+          <p:nvPr/>
+        </p:nvPicPr>
+        <p:blipFill>
+          <a:blip r:embed="rId2">
+            <a:extLst>
+              <a:ext uri="{28A0092B-C50C-407E-A947-70E740481C1C}">
+                <a14:useLocalDpi xmlns:a14="http://schemas.microsoft.com/office/drawing/2010/main" val="0"/>
+              </a:ext>
+            </a:extLst>
+          </a:blip>
+          <a:stretch>
+            <a:fillRect/>
+          </a:stretch>
+        </p:blipFill>
+        <p:spPr>
+          <a:xfrm>
+            <a:off x="1104534" y="2298715"/>
+            <a:ext cx="4138251" cy="703503"/>
+          </a:xfrm>
+          <a:prstGeom prst="rect">
+            <a:avLst/>
+          </a:prstGeom>
+        </p:spPr>
+      </p:pic>
+      <p:pic>
+        <p:nvPicPr>
+          <p:cNvPr id="9" name="Picture 8"/>
+          <p:cNvPicPr>
+            <a:picLocks noChangeAspect="1"/>
+          </p:cNvPicPr>
+          <p:nvPr/>
+        </p:nvPicPr>
+        <p:blipFill>
+          <a:blip r:embed="rId3">
+            <a:extLst>
+              <a:ext uri="{28A0092B-C50C-407E-A947-70E740481C1C}">
+                <a14:useLocalDpi xmlns:a14="http://schemas.microsoft.com/office/drawing/2010/main" val="0"/>
+              </a:ext>
+            </a:extLst>
+          </a:blip>
+          <a:stretch>
+            <a:fillRect/>
+          </a:stretch>
+        </p:blipFill>
+        <p:spPr>
+          <a:xfrm>
+            <a:off x="891708" y="3357760"/>
+            <a:ext cx="4563901" cy="1072057"/>
+          </a:xfrm>
+          <a:prstGeom prst="rect">
+            <a:avLst/>
+          </a:prstGeom>
+        </p:spPr>
+      </p:pic>
+      <p:pic>
+        <p:nvPicPr>
+          <p:cNvPr id="10" name="Picture 9"/>
+          <p:cNvPicPr>
+            <a:picLocks noChangeAspect="1"/>
+          </p:cNvPicPr>
+          <p:nvPr/>
+        </p:nvPicPr>
+        <p:blipFill>
+          <a:blip r:embed="rId4">
+            <a:extLst>
+              <a:ext uri="{28A0092B-C50C-407E-A947-70E740481C1C}">
+                <a14:useLocalDpi xmlns:a14="http://schemas.microsoft.com/office/drawing/2010/main" val="0"/>
+              </a:ext>
+            </a:extLst>
+          </a:blip>
+          <a:stretch>
+            <a:fillRect/>
+          </a:stretch>
+        </p:blipFill>
+        <p:spPr>
+          <a:xfrm>
+            <a:off x="6805076" y="3203212"/>
+            <a:ext cx="4220491" cy="1234816"/>
+          </a:xfrm>
+          <a:prstGeom prst="rect">
+            <a:avLst/>
+          </a:prstGeom>
+        </p:spPr>
+      </p:pic>
+      <p:pic>
+        <p:nvPicPr>
+          <p:cNvPr id="11" name="Picture 10"/>
+          <p:cNvPicPr>
+            <a:picLocks noChangeAspect="1"/>
+          </p:cNvPicPr>
+          <p:nvPr/>
+        </p:nvPicPr>
+        <p:blipFill>
+          <a:blip r:embed="rId5">
+            <a:extLst>
+              <a:ext uri="{28A0092B-C50C-407E-A947-70E740481C1C}">
+                <a14:useLocalDpi xmlns:a14="http://schemas.microsoft.com/office/drawing/2010/main" val="0"/>
+              </a:ext>
+            </a:extLst>
+          </a:blip>
+          <a:stretch>
+            <a:fillRect/>
+          </a:stretch>
+        </p:blipFill>
+        <p:spPr>
+          <a:xfrm>
+            <a:off x="891708" y="4374125"/>
+            <a:ext cx="4795051" cy="2212827"/>
+          </a:xfrm>
+          <a:prstGeom prst="rect">
+            <a:avLst/>
+          </a:prstGeom>
+        </p:spPr>
+      </p:pic>
+      <p:pic>
+        <p:nvPicPr>
+          <p:cNvPr id="12" name="Picture 11"/>
+          <p:cNvPicPr>
+            <a:picLocks noChangeAspect="1"/>
+          </p:cNvPicPr>
+          <p:nvPr/>
+        </p:nvPicPr>
+        <p:blipFill>
+          <a:blip r:embed="rId6">
+            <a:extLst>
+              <a:ext uri="{28A0092B-C50C-407E-A947-70E740481C1C}">
+                <a14:useLocalDpi xmlns:a14="http://schemas.microsoft.com/office/drawing/2010/main" val="0"/>
+              </a:ext>
+            </a:extLst>
+          </a:blip>
+          <a:stretch>
+            <a:fillRect/>
+          </a:stretch>
+        </p:blipFill>
+        <p:spPr>
+          <a:xfrm>
+            <a:off x="6805076" y="4464278"/>
+            <a:ext cx="4511143" cy="2081809"/>
+          </a:xfrm>
+          <a:prstGeom prst="rect">
+            <a:avLst/>
+          </a:prstGeom>
+        </p:spPr>
+      </p:pic>
     </p:spTree>
     <p:extLst>
       <p:ext uri="{BB962C8B-B14F-4D97-AF65-F5344CB8AC3E}">
-        <p14:creationId xmlns:p14="http://schemas.microsoft.com/office/powerpoint/2010/main" val="1614789167"/>
+        <p14:creationId xmlns:p14="http://schemas.microsoft.com/office/powerpoint/2010/main" val="1034518732"/>
       </p:ext>
     </p:extLst>
   </p:cSld>
@@ -4801,35 +6051,79 @@
           <a:p>
             <a:r>
               <a:rPr lang="en-US" dirty="0" smtClean="0"/>
-              <a:t>Intermediate Results</a:t>
+              <a:t>Person Detection Results</a:t>
             </a:r>
             <a:endParaRPr lang="en-US" dirty="0"/>
           </a:p>
         </p:txBody>
       </p:sp>
-      <p:sp>
-        <p:nvSpPr>
-          <p:cNvPr id="3" name="Content Placeholder 2"/>
-          <p:cNvSpPr>
-            <a:spLocks noGrp="1"/>
-          </p:cNvSpPr>
+      <p:pic>
+        <p:nvPicPr>
+          <p:cNvPr id="4" name="Content Placeholder 3"/>
+          <p:cNvPicPr>
+            <a:picLocks noGrp="1" noChangeAspect="1"/>
+          </p:cNvPicPr>
           <p:nvPr>
             <p:ph idx="1"/>
           </p:nvPr>
-        </p:nvSpPr>
-        <p:spPr/>
-        <p:txBody>
-          <a:bodyPr/>
-          <a:lstStyle/>
-          <a:p>
-            <a:endParaRPr lang="en-US"/>
+        </p:nvPicPr>
+        <p:blipFill>
+          <a:blip r:embed="rId2">
+            <a:extLst>
+              <a:ext uri="{28A0092B-C50C-407E-A947-70E740481C1C}">
+                <a14:useLocalDpi xmlns:a14="http://schemas.microsoft.com/office/drawing/2010/main" val="0"/>
+              </a:ext>
+            </a:extLst>
+          </a:blip>
+          <a:stretch>
+            <a:fillRect/>
+          </a:stretch>
+        </p:blipFill>
+        <p:spPr>
+          <a:xfrm>
+            <a:off x="594857" y="1690688"/>
+            <a:ext cx="7801885" cy="4351338"/>
+          </a:xfrm>
+        </p:spPr>
+      </p:pic>
+      <p:sp>
+        <p:nvSpPr>
+          <p:cNvPr id="5" name="TextBox 4"/>
+          <p:cNvSpPr txBox="1"/>
+          <p:nvPr/>
+        </p:nvSpPr>
+        <p:spPr>
+          <a:xfrm>
+            <a:off x="7832559" y="1937084"/>
+            <a:ext cx="4199020" cy="1815882"/>
+          </a:xfrm>
+          <a:prstGeom prst="rect">
+            <a:avLst/>
+          </a:prstGeom>
+          <a:noFill/>
+        </p:spPr>
+        <p:txBody>
+          <a:bodyPr wrap="square" rtlCol="0">
+            <a:spAutoFit/>
+          </a:bodyPr>
+          <a:lstStyle/>
+          <a:p>
+            <a:pPr marL="285750" indent="-285750">
+              <a:buFont typeface="Arial" charset="0"/>
+              <a:buChar char="•"/>
+            </a:pPr>
+            <a:r>
+              <a:rPr lang="en-US" sz="2800" dirty="0" smtClean="0"/>
+              <a:t>Adaptive method has less hits but never identifies background noise as a person</a:t>
+            </a:r>
+            <a:endParaRPr lang="en-US" sz="2800" dirty="0"/>
           </a:p>
         </p:txBody>
       </p:sp>
     </p:spTree>
     <p:extLst>
       <p:ext uri="{BB962C8B-B14F-4D97-AF65-F5344CB8AC3E}">
-        <p14:creationId xmlns:p14="http://schemas.microsoft.com/office/powerpoint/2010/main" val="962192849"/>
+        <p14:creationId xmlns:p14="http://schemas.microsoft.com/office/powerpoint/2010/main" val="681919864"/>
       </p:ext>
     </p:extLst>
   </p:cSld>
@@ -4873,35 +6167,45 @@
           <a:p>
             <a:r>
               <a:rPr lang="en-US" dirty="0" smtClean="0"/>
-              <a:t>ROC</a:t>
+              <a:t>Direction Classification Results</a:t>
             </a:r>
             <a:endParaRPr lang="en-US" dirty="0"/>
           </a:p>
         </p:txBody>
       </p:sp>
-      <p:sp>
-        <p:nvSpPr>
-          <p:cNvPr id="3" name="Content Placeholder 2"/>
-          <p:cNvSpPr>
-            <a:spLocks noGrp="1"/>
-          </p:cNvSpPr>
+      <p:pic>
+        <p:nvPicPr>
+          <p:cNvPr id="4" name="Content Placeholder 3"/>
+          <p:cNvPicPr>
+            <a:picLocks noGrp="1" noChangeAspect="1"/>
+          </p:cNvPicPr>
           <p:nvPr>
             <p:ph idx="1"/>
           </p:nvPr>
-        </p:nvSpPr>
-        <p:spPr/>
-        <p:txBody>
-          <a:bodyPr/>
-          <a:lstStyle/>
-          <a:p>
-            <a:endParaRPr lang="en-US"/>
-          </a:p>
-        </p:txBody>
-      </p:sp>
+        </p:nvPicPr>
+        <p:blipFill>
+          <a:blip r:embed="rId2">
+            <a:extLst>
+              <a:ext uri="{28A0092B-C50C-407E-A947-70E740481C1C}">
+                <a14:useLocalDpi xmlns:a14="http://schemas.microsoft.com/office/drawing/2010/main" val="0"/>
+              </a:ext>
+            </a:extLst>
+          </a:blip>
+          <a:stretch>
+            <a:fillRect/>
+          </a:stretch>
+        </p:blipFill>
+        <p:spPr>
+          <a:xfrm>
+            <a:off x="4613404" y="1825625"/>
+            <a:ext cx="7801885" cy="4351338"/>
+          </a:xfrm>
+        </p:spPr>
+      </p:pic>
     </p:spTree>
     <p:extLst>
       <p:ext uri="{BB962C8B-B14F-4D97-AF65-F5344CB8AC3E}">
-        <p14:creationId xmlns:p14="http://schemas.microsoft.com/office/powerpoint/2010/main" val="228047151"/>
+        <p14:creationId xmlns:p14="http://schemas.microsoft.com/office/powerpoint/2010/main" val="2054413856"/>
       </p:ext>
     </p:extLst>
   </p:cSld>
